--- a/presentaciones/Programacion avanzada - 02 Estructuras y punteros.pptx
+++ b/presentaciones/Programacion avanzada - 02 Estructuras y punteros.pptx
@@ -3081,7 +3081,7 @@
         </p:nvSpPr>
         <p:spPr>
           <a:xfrm>
-            <a:off x="381300" y="685800"/>
+            <a:off x="381000" y="685800"/>
             <a:ext cx="6096000" cy="3429000"/>
           </a:xfrm>
           <a:custGeom>
@@ -4861,7 +4861,7 @@
         </p:nvSpPr>
         <p:spPr>
           <a:xfrm>
-            <a:off x="381300" y="685800"/>
+            <a:off x="381000" y="685800"/>
             <a:ext cx="6096000" cy="3429000"/>
           </a:xfrm>
           <a:custGeom>
@@ -11346,10 +11346,10 @@
               <a:buNone/>
             </a:pPr>
             <a:r>
-              <a:rPr lang="es-419"/>
+              <a:rPr lang="es-419" dirty="0"/>
               <a:t>Convertir ejercicio inicial a estructuras</a:t>
             </a:r>
-            <a:endParaRPr/>
+            <a:endParaRPr dirty="0"/>
           </a:p>
         </p:txBody>
       </p:sp>
@@ -13330,10 +13330,18 @@
               <a:buNone/>
             </a:pPr>
             <a:r>
-              <a:rPr lang="es-419"/>
-              <a:t>Hacer una aplicacion de consola que maneje el flujo de pantallas de un juego usando los conocimientos de programación básica.</a:t>
-            </a:r>
-            <a:endParaRPr/>
+              <a:rPr lang="es-419" dirty="0"/>
+              <a:t>Hacer una </a:t>
+            </a:r>
+            <a:r>
+              <a:rPr lang="es-419" dirty="0" err="1"/>
+              <a:t>aplicacion</a:t>
+            </a:r>
+            <a:r>
+              <a:rPr lang="es-419" dirty="0"/>
+              <a:t> de consola que maneje el flujo de pantallas de un juego usando los conocimientos de programación básica.</a:t>
+            </a:r>
+            <a:endParaRPr dirty="0"/>
           </a:p>
         </p:txBody>
       </p:sp>
@@ -16373,10 +16381,18 @@
               <a:buNone/>
             </a:pPr>
             <a:r>
-              <a:rPr lang="es-419"/>
-              <a:t>Mostrar menu principal</a:t>
-            </a:r>
-            <a:endParaRPr/>
+              <a:rPr lang="es-419" dirty="0"/>
+              <a:t>Mostrar </a:t>
+            </a:r>
+            <a:r>
+              <a:rPr lang="es-419" dirty="0" err="1"/>
+              <a:t>menu</a:t>
+            </a:r>
+            <a:r>
+              <a:rPr lang="es-419" dirty="0"/>
+              <a:t> principal</a:t>
+            </a:r>
+            <a:endParaRPr dirty="0"/>
           </a:p>
         </p:txBody>
       </p:sp>
@@ -16423,10 +16439,22 @@
               <a:buNone/>
             </a:pPr>
             <a:r>
-              <a:rPr lang="es-419"/>
-              <a:t>Seleccionar opcion del menu</a:t>
-            </a:r>
-            <a:endParaRPr/>
+              <a:rPr lang="es-419" dirty="0"/>
+              <a:t>Seleccionar </a:t>
+            </a:r>
+            <a:r>
+              <a:rPr lang="es-419" dirty="0" err="1"/>
+              <a:t>opcion</a:t>
+            </a:r>
+            <a:r>
+              <a:rPr lang="es-419" dirty="0"/>
+              <a:t> del </a:t>
+            </a:r>
+            <a:r>
+              <a:rPr lang="es-419" dirty="0" err="1"/>
+              <a:t>menu</a:t>
+            </a:r>
+            <a:endParaRPr dirty="0"/>
           </a:p>
         </p:txBody>
       </p:sp>
@@ -16473,10 +16501,22 @@
               <a:buNone/>
             </a:pPr>
             <a:r>
-              <a:rPr lang="es-419" sz="1300"/>
-              <a:t>Main mission:</a:t>
-            </a:r>
-            <a:endParaRPr sz="1300"/>
+              <a:rPr lang="es-419" sz="1300" dirty="0" err="1"/>
+              <a:t>Main</a:t>
+            </a:r>
+            <a:r>
+              <a:rPr lang="es-419" sz="1300" dirty="0"/>
+              <a:t> </a:t>
+            </a:r>
+            <a:r>
+              <a:rPr lang="es-419" sz="1300" dirty="0" err="1"/>
+              <a:t>mission</a:t>
+            </a:r>
+            <a:r>
+              <a:rPr lang="es-419" sz="1300" dirty="0"/>
+              <a:t>:</a:t>
+            </a:r>
+            <a:endParaRPr sz="1300" dirty="0"/>
           </a:p>
           <a:p>
             <a:pPr marL="0" lvl="0" indent="0" algn="ctr" rtl="0">
@@ -16489,24 +16529,24 @@
               <a:buNone/>
             </a:pPr>
             <a:r>
-              <a:rPr lang="es-419" sz="1000"/>
+              <a:rPr lang="es-419" sz="1000" dirty="0"/>
               <a:t>Mostrar opciones de personajes.</a:t>
             </a:r>
             <a:br>
-              <a:rPr lang="es-419" sz="1000"/>
+              <a:rPr lang="es-419" sz="1000" dirty="0"/>
             </a:br>
             <a:r>
-              <a:rPr lang="es-419" sz="1000"/>
+              <a:rPr lang="es-419" sz="1000" dirty="0"/>
               <a:t> Seleccionar personaje.</a:t>
             </a:r>
             <a:br>
-              <a:rPr lang="es-419" sz="1000"/>
+              <a:rPr lang="es-419" sz="1000" dirty="0"/>
             </a:br>
             <a:r>
-              <a:rPr lang="es-419" sz="1000"/>
+              <a:rPr lang="es-419" sz="1000" dirty="0"/>
               <a:t>Ingresar la cantidad de puntos y determinar el nivel, cada 1000 puntos es un nivel.</a:t>
             </a:r>
-            <a:endParaRPr sz="1000"/>
+            <a:endParaRPr sz="1000" dirty="0"/>
           </a:p>
           <a:p>
             <a:pPr marL="0" lvl="0" indent="0" algn="ctr" rtl="0">
@@ -16519,10 +16559,10 @@
               <a:buNone/>
             </a:pPr>
             <a:r>
-              <a:rPr lang="es-419" sz="1000"/>
+              <a:rPr lang="es-419" sz="1000" dirty="0"/>
               <a:t>Mostrar un mensaje que diga el nombre del personaje, a que nivel llego y su puntaje.</a:t>
             </a:r>
-            <a:endParaRPr sz="1000"/>
+            <a:endParaRPr sz="1000" dirty="0"/>
           </a:p>
           <a:p>
             <a:pPr marL="0" lvl="0" indent="0" algn="ctr" rtl="0">
@@ -16535,10 +16575,10 @@
               <a:buNone/>
             </a:pPr>
             <a:r>
-              <a:rPr lang="es-419" sz="1000"/>
+              <a:rPr lang="es-419" sz="1000" dirty="0"/>
               <a:t>Presionar una tecla para regresar al menú principal</a:t>
             </a:r>
-            <a:endParaRPr sz="1000"/>
+            <a:endParaRPr sz="1000" dirty="0"/>
           </a:p>
         </p:txBody>
       </p:sp>
@@ -16585,10 +16625,14 @@
               <a:buNone/>
             </a:pPr>
             <a:r>
-              <a:rPr lang="es-419" sz="1300"/>
-              <a:t>Multiplayer:</a:t>
-            </a:r>
-            <a:endParaRPr sz="1300"/>
+              <a:rPr lang="es-419" sz="1300" dirty="0" err="1"/>
+              <a:t>Multiplayer</a:t>
+            </a:r>
+            <a:r>
+              <a:rPr lang="es-419" sz="1300" dirty="0"/>
+              <a:t>:</a:t>
+            </a:r>
+            <a:endParaRPr sz="1300" dirty="0"/>
           </a:p>
           <a:p>
             <a:pPr marL="0" lvl="0" indent="0" algn="ctr" rtl="0">
@@ -16601,10 +16645,26 @@
               <a:buNone/>
             </a:pPr>
             <a:r>
-              <a:rPr lang="es-419" sz="1000"/>
-              <a:t>Lo mismo que en el main mission, pero para dos personajes.</a:t>
-            </a:r>
-            <a:endParaRPr sz="1000"/>
+              <a:rPr lang="es-419" sz="1000" dirty="0"/>
+              <a:t>Lo mismo que en el </a:t>
+            </a:r>
+            <a:r>
+              <a:rPr lang="es-419" sz="1000" dirty="0" err="1"/>
+              <a:t>main</a:t>
+            </a:r>
+            <a:r>
+              <a:rPr lang="es-419" sz="1000" dirty="0"/>
+              <a:t> </a:t>
+            </a:r>
+            <a:r>
+              <a:rPr lang="es-419" sz="1000" dirty="0" err="1"/>
+              <a:t>mission</a:t>
+            </a:r>
+            <a:r>
+              <a:rPr lang="es-419" sz="1000" dirty="0"/>
+              <a:t>, pero para dos personajes.</a:t>
+            </a:r>
+            <a:endParaRPr sz="1000" dirty="0"/>
           </a:p>
           <a:p>
             <a:pPr marL="0" lvl="0" indent="0" algn="ctr" rtl="0">
@@ -16622,18 +16682,18 @@
               <a:buNone/>
             </a:pPr>
             <a:r>
-              <a:rPr lang="es-419" sz="1000"/>
+              <a:rPr lang="es-419" sz="1000" dirty="0"/>
               <a:t>Presionar una tecla para regresar al menú principa</a:t>
             </a:r>
             <a:r>
-              <a:rPr lang="es-419" sz="1000">
+              <a:rPr lang="es-419" sz="1000" dirty="0">
                 <a:solidFill>
                   <a:schemeClr val="dk1"/>
                 </a:solidFill>
               </a:rPr>
               <a:t>l</a:t>
             </a:r>
-            <a:endParaRPr sz="1000">
+            <a:endParaRPr sz="1000" dirty="0">
               <a:solidFill>
                 <a:schemeClr val="dk1"/>
               </a:solidFill>
@@ -16649,7 +16709,7 @@
               </a:spcAft>
               <a:buNone/>
             </a:pPr>
-            <a:endParaRPr sz="1000"/>
+            <a:endParaRPr sz="1000" dirty="0"/>
           </a:p>
         </p:txBody>
       </p:sp>
@@ -16696,10 +16756,14 @@
               <a:buNone/>
             </a:pPr>
             <a:r>
-              <a:rPr lang="es-419" sz="1300"/>
-              <a:t>Leaderboard:</a:t>
-            </a:r>
-            <a:endParaRPr sz="1300"/>
+              <a:rPr lang="es-419" sz="1300" dirty="0" err="1"/>
+              <a:t>Leaderboard</a:t>
+            </a:r>
+            <a:r>
+              <a:rPr lang="es-419" sz="1300" dirty="0"/>
+              <a:t>:</a:t>
+            </a:r>
+            <a:endParaRPr sz="1300" dirty="0"/>
           </a:p>
           <a:p>
             <a:pPr marL="0" lvl="0" indent="0" algn="ctr" rtl="0">
@@ -16712,10 +16776,10 @@
               <a:buNone/>
             </a:pPr>
             <a:r>
-              <a:rPr lang="es-419" sz="1000"/>
+              <a:rPr lang="es-419" sz="1000" dirty="0"/>
               <a:t>Mostrar una pantalla con los 10 mejores puntajes de los jugadores.</a:t>
             </a:r>
-            <a:endParaRPr sz="1000"/>
+            <a:endParaRPr sz="1000" dirty="0"/>
           </a:p>
           <a:p>
             <a:pPr marL="0" lvl="0" indent="0" algn="ctr" rtl="0">
@@ -16733,10 +16797,10 @@
               <a:buNone/>
             </a:pPr>
             <a:r>
-              <a:rPr lang="es-419" sz="1000"/>
+              <a:rPr lang="es-419" sz="1000" dirty="0"/>
               <a:t>Presionar una tecla para regresar al menú principal</a:t>
             </a:r>
-            <a:endParaRPr sz="1000"/>
+            <a:endParaRPr sz="1000" dirty="0"/>
           </a:p>
           <a:p>
             <a:pPr marL="0" lvl="0" indent="0" algn="ctr" rtl="0">
@@ -16748,7 +16812,7 @@
               </a:spcAft>
               <a:buNone/>
             </a:pPr>
-            <a:endParaRPr sz="1000"/>
+            <a:endParaRPr sz="1000" dirty="0"/>
           </a:p>
         </p:txBody>
       </p:sp>
@@ -16795,10 +16859,22 @@
               <a:buNone/>
             </a:pPr>
             <a:r>
-              <a:rPr lang="es-419" sz="1300"/>
-              <a:t>Quit:</a:t>
-            </a:r>
-            <a:endParaRPr sz="1300"/>
+              <a:rPr lang="es-419" sz="1300" dirty="0" err="1"/>
+              <a:t>Quit</a:t>
+            </a:r>
+            <a:r>
+              <a:rPr lang="es-419" sz="1300" dirty="0"/>
+              <a:t> </a:t>
+            </a:r>
+            <a:r>
+              <a:rPr lang="es-419" sz="1300" dirty="0" err="1"/>
+              <a:t>game</a:t>
+            </a:r>
+            <a:r>
+              <a:rPr lang="es-419" sz="1300" dirty="0"/>
+              <a:t>:</a:t>
+            </a:r>
+            <a:endParaRPr sz="1300" dirty="0"/>
           </a:p>
           <a:p>
             <a:pPr marL="0" lvl="0" indent="0" algn="ctr" rtl="0">
@@ -16811,10 +16887,10 @@
               <a:buNone/>
             </a:pPr>
             <a:r>
-              <a:rPr lang="es-419" sz="1000"/>
+              <a:rPr lang="es-419" sz="1000" dirty="0"/>
               <a:t>La aplicación no terminará a menos que se seleccione esta opción.</a:t>
             </a:r>
-            <a:endParaRPr sz="1000">
+            <a:endParaRPr sz="1000" dirty="0">
               <a:solidFill>
                 <a:schemeClr val="dk1"/>
               </a:solidFill>
@@ -16830,7 +16906,7 @@
               </a:spcAft>
               <a:buNone/>
             </a:pPr>
-            <a:endParaRPr sz="1000"/>
+            <a:endParaRPr sz="1000" dirty="0"/>
           </a:p>
         </p:txBody>
       </p:sp>
@@ -22927,10 +23003,10 @@
               <a:buChar char="●"/>
             </a:pPr>
             <a:r>
-              <a:rPr lang="es-419"/>
+              <a:rPr lang="es-419" dirty="0"/>
               <a:t>Es un tipo compuesto definido por el usuario.</a:t>
             </a:r>
-            <a:endParaRPr/>
+            <a:endParaRPr dirty="0"/>
           </a:p>
           <a:p>
             <a:pPr marL="457200" lvl="0" indent="-342900" algn="l" rtl="0">
@@ -22944,10 +23020,10 @@
               <a:buChar char="●"/>
             </a:pPr>
             <a:r>
-              <a:rPr lang="es-419"/>
+              <a:rPr lang="es-419" dirty="0"/>
               <a:t>Un estructura es una colección de datos, los cuales no necesariamente son del mismo tipo agrupados bajo un mismo nombre.</a:t>
             </a:r>
-            <a:endParaRPr/>
+            <a:endParaRPr dirty="0"/>
           </a:p>
           <a:p>
             <a:pPr marL="457200" lvl="0" indent="-342900" algn="l" rtl="0">
@@ -22961,10 +23037,10 @@
               <a:buChar char="●"/>
             </a:pPr>
             <a:r>
-              <a:rPr lang="es-419"/>
+              <a:rPr lang="es-419" dirty="0"/>
               <a:t>Estos datos son conocidos como miembros, pueden tener diferentes tipos de dato.</a:t>
             </a:r>
-            <a:endParaRPr/>
+            <a:endParaRPr dirty="0"/>
           </a:p>
           <a:p>
             <a:pPr marL="457200" lvl="0" indent="-342900" algn="l" rtl="0">
@@ -22978,10 +23054,10 @@
               <a:buChar char="●"/>
             </a:pPr>
             <a:r>
-              <a:rPr lang="es-419"/>
+              <a:rPr lang="es-419" dirty="0"/>
               <a:t>Las estructuras en C++  pueden contener dos tipos de miembros: datos (variables) y funciones.</a:t>
             </a:r>
-            <a:endParaRPr/>
+            <a:endParaRPr dirty="0"/>
           </a:p>
         </p:txBody>
       </p:sp>
@@ -23087,10 +23163,18 @@
               <a:buNone/>
             </a:pPr>
             <a:r>
-              <a:rPr lang="es-419"/>
-              <a:t>…declare structure?</a:t>
-            </a:r>
-            <a:endParaRPr/>
+              <a:rPr lang="es-419" dirty="0"/>
+              <a:t>…declare </a:t>
+            </a:r>
+            <a:r>
+              <a:rPr lang="es-419" dirty="0" err="1"/>
+              <a:t>structure</a:t>
+            </a:r>
+            <a:r>
+              <a:rPr lang="es-419" dirty="0"/>
+              <a:t>?</a:t>
+            </a:r>
+            <a:endParaRPr dirty="0"/>
           </a:p>
           <a:p>
             <a:pPr marL="914400" lvl="0" indent="0" algn="l" rtl="0">
@@ -23108,7 +23192,7 @@
               <a:buNone/>
             </a:pPr>
             <a:r>
-              <a:rPr lang="es-419" sz="1561">
+              <a:rPr lang="es-419" sz="1561" dirty="0" err="1">
                 <a:solidFill>
                   <a:srgbClr val="000000"/>
                 </a:solidFill>
@@ -23120,9 +23204,54 @@
                 <a:cs typeface="Courier New"/>
                 <a:sym typeface="Courier New"/>
               </a:rPr>
-              <a:t>struct type_name {</a:t>
-            </a:r>
-            <a:endParaRPr sz="1561">
+              <a:t>struct</a:t>
+            </a:r>
+            <a:r>
+              <a:rPr lang="es-419" sz="1561" dirty="0">
+                <a:solidFill>
+                  <a:srgbClr val="000000"/>
+                </a:solidFill>
+                <a:highlight>
+                  <a:srgbClr val="FFFFFF"/>
+                </a:highlight>
+                <a:latin typeface="Courier New"/>
+                <a:ea typeface="Courier New"/>
+                <a:cs typeface="Courier New"/>
+                <a:sym typeface="Courier New"/>
+              </a:rPr>
+              <a:t> </a:t>
+            </a:r>
+            <a:r>
+              <a:rPr lang="es-419" sz="1561" dirty="0" err="1">
+                <a:solidFill>
+                  <a:srgbClr val="000000"/>
+                </a:solidFill>
+                <a:highlight>
+                  <a:srgbClr val="FFFFFF"/>
+                </a:highlight>
+                <a:latin typeface="Courier New"/>
+                <a:ea typeface="Courier New"/>
+                <a:cs typeface="Courier New"/>
+                <a:sym typeface="Courier New"/>
+              </a:rPr>
+              <a:t>name</a:t>
+            </a:r>
+            <a:r>
+              <a:rPr lang="es-419" sz="1561" dirty="0">
+                <a:solidFill>
+                  <a:srgbClr val="000000"/>
+                </a:solidFill>
+                <a:highlight>
+                  <a:srgbClr val="FFFFFF"/>
+                </a:highlight>
+                <a:latin typeface="Courier New"/>
+                <a:ea typeface="Courier New"/>
+                <a:cs typeface="Courier New"/>
+                <a:sym typeface="Courier New"/>
+              </a:rPr>
+              <a:t> {</a:t>
+            </a:r>
+            <a:endParaRPr sz="1561" dirty="0">
               <a:solidFill>
                 <a:srgbClr val="000000"/>
               </a:solidFill>
@@ -23151,7 +23280,7 @@
               <a:buNone/>
             </a:pPr>
             <a:r>
-              <a:rPr lang="es-419" sz="1561">
+              <a:rPr lang="es-419" sz="1561" dirty="0">
                 <a:solidFill>
                   <a:srgbClr val="000000"/>
                 </a:solidFill>
@@ -23165,7 +23294,7 @@
               </a:rPr>
               <a:t>member_type1 member_name1;</a:t>
             </a:r>
-            <a:endParaRPr sz="1561">
+            <a:endParaRPr sz="1561" dirty="0">
               <a:solidFill>
                 <a:srgbClr val="000000"/>
               </a:solidFill>
@@ -23194,7 +23323,7 @@
               <a:buNone/>
             </a:pPr>
             <a:r>
-              <a:rPr lang="es-419" sz="1561">
+              <a:rPr lang="es-419" sz="1561" dirty="0">
                 <a:solidFill>
                   <a:srgbClr val="000000"/>
                 </a:solidFill>
@@ -23208,7 +23337,7 @@
               </a:rPr>
               <a:t>member_type2 member_name2;</a:t>
             </a:r>
-            <a:endParaRPr sz="1561">
+            <a:endParaRPr sz="1561" dirty="0">
               <a:solidFill>
                 <a:srgbClr val="000000"/>
               </a:solidFill>
@@ -23237,7 +23366,7 @@
               <a:buNone/>
             </a:pPr>
             <a:r>
-              <a:rPr lang="es-419" sz="1561">
+              <a:rPr lang="es-419" sz="1561" dirty="0">
                 <a:solidFill>
                   <a:srgbClr val="000000"/>
                 </a:solidFill>
@@ -23251,7 +23380,7 @@
               </a:rPr>
               <a:t>member_type3 member_name3;</a:t>
             </a:r>
-            <a:endParaRPr sz="1561">
+            <a:endParaRPr sz="1561" dirty="0">
               <a:solidFill>
                 <a:srgbClr val="000000"/>
               </a:solidFill>
@@ -23280,7 +23409,7 @@
               <a:buNone/>
             </a:pPr>
             <a:r>
-              <a:rPr lang="es-419" sz="1561">
+              <a:rPr lang="es-419" sz="1561" dirty="0">
                 <a:solidFill>
                   <a:srgbClr val="000000"/>
                 </a:solidFill>
@@ -23294,7 +23423,7 @@
               </a:rPr>
               <a:t>};</a:t>
             </a:r>
-            <a:endParaRPr>
+            <a:endParaRPr dirty="0">
               <a:solidFill>
                 <a:srgbClr val="000000"/>
               </a:solidFill>
